--- a/erkim_asood_prog_interview/progress_interview.pptx
+++ b/erkim_asood_prog_interview/progress_interview.pptx
@@ -6,11 +6,12 @@
   </p:sldMasterIdLst>
   <p:sldIdLst>
     <p:sldId id="256" r:id="rId2"/>
-    <p:sldId id="257" r:id="rId3"/>
-    <p:sldId id="260" r:id="rId4"/>
-    <p:sldId id="262" r:id="rId5"/>
-    <p:sldId id="261" r:id="rId6"/>
-    <p:sldId id="264" r:id="rId7"/>
+    <p:sldId id="265" r:id="rId3"/>
+    <p:sldId id="257" r:id="rId4"/>
+    <p:sldId id="260" r:id="rId5"/>
+    <p:sldId id="262" r:id="rId6"/>
+    <p:sldId id="261" r:id="rId7"/>
+    <p:sldId id="264" r:id="rId8"/>
   </p:sldIdLst>
   <p:sldSz cx="9144000" cy="6858000" type="screen4x3"/>
   <p:notesSz cx="6858000" cy="9144000"/>
@@ -5455,6 +5456,156 @@
           <a:p>
             <a:r>
               <a:rPr lang="en-US" dirty="0" smtClean="0"/>
+              <a:t>Bluetooth Low Energy Positioning</a:t>
+            </a:r>
+            <a:endParaRPr lang="en-US" dirty="0"/>
+          </a:p>
+        </p:txBody>
+      </p:sp>
+      <p:sp>
+        <p:nvSpPr>
+          <p:cNvPr id="3" name="Content Placeholder 2"/>
+          <p:cNvSpPr>
+            <a:spLocks noGrp="1"/>
+          </p:cNvSpPr>
+          <p:nvPr>
+            <p:ph sz="half" idx="1"/>
+          </p:nvPr>
+        </p:nvSpPr>
+        <p:spPr>
+          <a:xfrm>
+            <a:off x="416858" y="2770188"/>
+            <a:ext cx="8308042" cy="3464765"/>
+          </a:xfrm>
+        </p:spPr>
+        <p:txBody>
+          <a:bodyPr/>
+          <a:lstStyle/>
+          <a:p>
+            <a:r>
+              <a:rPr lang="en-US" dirty="0" smtClean="0"/>
+              <a:t>Indoor positioning using BLE exclusively </a:t>
+            </a:r>
+          </a:p>
+          <a:p>
+            <a:pPr lvl="1"/>
+            <a:r>
+              <a:rPr lang="en-US" dirty="0" smtClean="0"/>
+              <a:t>No </a:t>
+            </a:r>
+            <a:r>
+              <a:rPr lang="en-US" dirty="0" err="1" smtClean="0"/>
+              <a:t>Wifi</a:t>
+            </a:r>
+            <a:r>
+              <a:rPr lang="en-US" dirty="0" smtClean="0"/>
+              <a:t> or network signal needed</a:t>
+            </a:r>
+          </a:p>
+          <a:p>
+            <a:pPr lvl="1"/>
+            <a:r>
+              <a:rPr lang="en-US" dirty="0" smtClean="0"/>
+              <a:t>No prior context – anywhere an anchor can be placed can be a map</a:t>
+            </a:r>
+          </a:p>
+          <a:p>
+            <a:r>
+              <a:rPr lang="en-US" dirty="0" smtClean="0"/>
+              <a:t>Anchors that are set down anywhere, create a field in which location can be tracked</a:t>
+            </a:r>
+          </a:p>
+          <a:p>
+            <a:r>
+              <a:rPr lang="en-US" dirty="0" smtClean="0"/>
+              <a:t>User friendly map – find your friends devices</a:t>
+            </a:r>
+          </a:p>
+          <a:p>
+            <a:endParaRPr lang="en-US" dirty="0" smtClean="0"/>
+          </a:p>
+          <a:p>
+            <a:endParaRPr lang="en-US" dirty="0"/>
+          </a:p>
+        </p:txBody>
+      </p:sp>
+      <p:pic>
+        <p:nvPicPr>
+          <p:cNvPr id="5" name="Picture 4" descr="crest.png"/>
+          <p:cNvPicPr>
+            <a:picLocks noChangeAspect="1"/>
+          </p:cNvPicPr>
+          <p:nvPr/>
+        </p:nvPicPr>
+        <p:blipFill>
+          <a:blip r:embed="rId2">
+            <a:extLst>
+              <a:ext uri="{28A0092B-C50C-407E-A947-70E740481C1C}">
+                <a14:useLocalDpi xmlns:a14="http://schemas.microsoft.com/office/drawing/2010/main" val="0"/>
+              </a:ext>
+            </a:extLst>
+          </a:blip>
+          <a:stretch>
+            <a:fillRect/>
+          </a:stretch>
+        </p:blipFill>
+        <p:spPr>
+          <a:xfrm>
+            <a:off x="8228794" y="5798510"/>
+            <a:ext cx="572504" cy="639420"/>
+          </a:xfrm>
+          <a:prstGeom prst="rect">
+            <a:avLst/>
+          </a:prstGeom>
+        </p:spPr>
+      </p:pic>
+    </p:spTree>
+    <p:extLst>
+      <p:ext uri="{BB962C8B-B14F-4D97-AF65-F5344CB8AC3E}">
+        <p14:creationId xmlns:p14="http://schemas.microsoft.com/office/powerpoint/2010/main" val="2222566983"/>
+      </p:ext>
+    </p:extLst>
+  </p:cSld>
+  <p:clrMapOvr>
+    <a:masterClrMapping/>
+  </p:clrMapOvr>
+</p:sld>
+</file>
+
+<file path=ppt/slides/slide3.xml><?xml version="1.0" encoding="utf-8"?>
+<p:sld xmlns:a="http://schemas.openxmlformats.org/drawingml/2006/main" xmlns:r="http://schemas.openxmlformats.org/officeDocument/2006/relationships" xmlns:p="http://schemas.openxmlformats.org/presentationml/2006/main">
+  <p:cSld>
+    <p:spTree>
+      <p:nvGrpSpPr>
+        <p:cNvPr id="1" name=""/>
+        <p:cNvGrpSpPr/>
+        <p:nvPr/>
+      </p:nvGrpSpPr>
+      <p:grpSpPr>
+        <a:xfrm>
+          <a:off x="0" y="0"/>
+          <a:ext cx="0" cy="0"/>
+          <a:chOff x="0" y="0"/>
+          <a:chExt cx="0" cy="0"/>
+        </a:xfrm>
+      </p:grpSpPr>
+      <p:sp>
+        <p:nvSpPr>
+          <p:cNvPr id="2" name="Title 1"/>
+          <p:cNvSpPr>
+            <a:spLocks noGrp="1"/>
+          </p:cNvSpPr>
+          <p:nvPr>
+            <p:ph type="title"/>
+          </p:nvPr>
+        </p:nvSpPr>
+        <p:spPr/>
+        <p:txBody>
+          <a:bodyPr/>
+          <a:lstStyle/>
+          <a:p>
+            <a:r>
+              <a:rPr lang="en-US" dirty="0" smtClean="0"/>
               <a:t>Accomplished </a:t>
             </a:r>
             <a:r>
@@ -5577,217 +5728,6 @@
     <p:extLst>
       <p:ext uri="{BB962C8B-B14F-4D97-AF65-F5344CB8AC3E}">
         <p14:creationId xmlns:p14="http://schemas.microsoft.com/office/powerpoint/2010/main" val="3659623813"/>
-      </p:ext>
-    </p:extLst>
-  </p:cSld>
-  <p:clrMapOvr>
-    <a:masterClrMapping/>
-  </p:clrMapOvr>
-  <p:timing>
-    <p:tnLst>
-      <p:par>
-        <p:cTn xmlns:p14="http://schemas.microsoft.com/office/powerpoint/2010/main" id="1" dur="indefinite" restart="never" nodeType="tmRoot"/>
-      </p:par>
-    </p:tnLst>
-  </p:timing>
-</p:sld>
-</file>
-
-<file path=ppt/slides/slide3.xml><?xml version="1.0" encoding="utf-8"?>
-<p:sld xmlns:a="http://schemas.openxmlformats.org/drawingml/2006/main" xmlns:r="http://schemas.openxmlformats.org/officeDocument/2006/relationships" xmlns:p="http://schemas.openxmlformats.org/presentationml/2006/main">
-  <p:cSld>
-    <p:spTree>
-      <p:nvGrpSpPr>
-        <p:cNvPr id="1" name=""/>
-        <p:cNvGrpSpPr/>
-        <p:nvPr/>
-      </p:nvGrpSpPr>
-      <p:grpSpPr>
-        <a:xfrm>
-          <a:off x="0" y="0"/>
-          <a:ext cx="0" cy="0"/>
-          <a:chOff x="0" y="0"/>
-          <a:chExt cx="0" cy="0"/>
-        </a:xfrm>
-      </p:grpSpPr>
-      <p:sp>
-        <p:nvSpPr>
-          <p:cNvPr id="3" name="Content Placeholder 2"/>
-          <p:cNvSpPr>
-            <a:spLocks noGrp="1"/>
-          </p:cNvSpPr>
-          <p:nvPr>
-            <p:ph sz="half" idx="1"/>
-          </p:nvPr>
-        </p:nvSpPr>
-        <p:spPr>
-          <a:xfrm>
-            <a:off x="416859" y="2770188"/>
-            <a:ext cx="4697945" cy="3464765"/>
-          </a:xfrm>
-        </p:spPr>
-        <p:txBody>
-          <a:bodyPr>
-            <a:normAutofit/>
-          </a:bodyPr>
-          <a:lstStyle/>
-          <a:p>
-            <a:r>
-              <a:rPr lang="en-US" dirty="0"/>
-              <a:t>Genetic Attribute Profile (GATT) Design</a:t>
-            </a:r>
-          </a:p>
-          <a:p>
-            <a:pPr lvl="1"/>
-            <a:r>
-              <a:rPr lang="en-US" dirty="0"/>
-              <a:t>Anchor – Constantly broadcasting (</a:t>
-            </a:r>
-            <a:r>
-              <a:rPr lang="en-US" dirty="0" err="1"/>
-              <a:t>x,y</a:t>
-            </a:r>
-            <a:r>
-              <a:rPr lang="en-US" dirty="0"/>
-              <a:t>) coordinates as static location</a:t>
-            </a:r>
-          </a:p>
-          <a:p>
-            <a:pPr lvl="1"/>
-            <a:r>
-              <a:rPr lang="en-US" dirty="0"/>
-              <a:t>User – Broadcasts (x, y) coordinates to other users</a:t>
-            </a:r>
-          </a:p>
-          <a:p>
-            <a:pPr lvl="2"/>
-            <a:r>
-              <a:rPr lang="en-US" dirty="0"/>
-              <a:t>Reads all points, identifies (anchor or user</a:t>
-            </a:r>
-            <a:r>
-              <a:rPr lang="en-US" dirty="0" smtClean="0"/>
-              <a:t>)</a:t>
-            </a:r>
-          </a:p>
-          <a:p>
-            <a:r>
-              <a:rPr lang="en-US" dirty="0" smtClean="0"/>
-              <a:t>Triangulation coordinate calculation</a:t>
-            </a:r>
-          </a:p>
-          <a:p>
-            <a:pPr lvl="1"/>
-            <a:r>
-              <a:rPr lang="en-US" dirty="0" smtClean="0"/>
-              <a:t>Done with “hard coded” values (not on real devices)</a:t>
-            </a:r>
-          </a:p>
-          <a:p>
-            <a:pPr lvl="1"/>
-            <a:endParaRPr lang="en-US" dirty="0" smtClean="0"/>
-          </a:p>
-          <a:p>
-            <a:endParaRPr lang="en-US" dirty="0" smtClean="0"/>
-          </a:p>
-          <a:p>
-            <a:pPr lvl="2"/>
-            <a:endParaRPr lang="en-US" dirty="0" smtClean="0"/>
-          </a:p>
-        </p:txBody>
-      </p:sp>
-      <p:sp>
-        <p:nvSpPr>
-          <p:cNvPr id="6" name="Title 5"/>
-          <p:cNvSpPr>
-            <a:spLocks noGrp="1"/>
-          </p:cNvSpPr>
-          <p:nvPr>
-            <p:ph type="title"/>
-          </p:nvPr>
-        </p:nvSpPr>
-        <p:spPr>
-          <a:xfrm>
-            <a:off x="415925" y="1456765"/>
-            <a:ext cx="6392826" cy="1143000"/>
-          </a:xfrm>
-        </p:spPr>
-        <p:txBody>
-          <a:bodyPr/>
-          <a:lstStyle/>
-          <a:p>
-            <a:r>
-              <a:rPr lang="en-US" dirty="0" smtClean="0"/>
-              <a:t>Accomplished This Year </a:t>
-            </a:r>
-            <a:endParaRPr lang="en-US" dirty="0"/>
-          </a:p>
-        </p:txBody>
-      </p:sp>
-      <p:pic>
-        <p:nvPicPr>
-          <p:cNvPr id="7" name="Picture 6" descr="blockflow.png"/>
-          <p:cNvPicPr>
-            <a:picLocks noChangeAspect="1"/>
-          </p:cNvPicPr>
-          <p:nvPr/>
-        </p:nvPicPr>
-        <p:blipFill>
-          <a:blip r:embed="rId2">
-            <a:extLst>
-              <a:ext uri="{28A0092B-C50C-407E-A947-70E740481C1C}">
-                <a14:useLocalDpi xmlns:a14="http://schemas.microsoft.com/office/drawing/2010/main" val="0"/>
-              </a:ext>
-            </a:extLst>
-          </a:blip>
-          <a:stretch>
-            <a:fillRect/>
-          </a:stretch>
-        </p:blipFill>
-        <p:spPr>
-          <a:xfrm>
-            <a:off x="5114804" y="2785574"/>
-            <a:ext cx="3729058" cy="3449379"/>
-          </a:xfrm>
-          <a:prstGeom prst="rect">
-            <a:avLst/>
-          </a:prstGeom>
-        </p:spPr>
-      </p:pic>
-      <p:pic>
-        <p:nvPicPr>
-          <p:cNvPr id="8" name="Picture 7" descr="crest.png"/>
-          <p:cNvPicPr>
-            <a:picLocks noChangeAspect="1"/>
-          </p:cNvPicPr>
-          <p:nvPr/>
-        </p:nvPicPr>
-        <p:blipFill>
-          <a:blip r:embed="rId3">
-            <a:extLst>
-              <a:ext uri="{28A0092B-C50C-407E-A947-70E740481C1C}">
-                <a14:useLocalDpi xmlns:a14="http://schemas.microsoft.com/office/drawing/2010/main" val="0"/>
-              </a:ext>
-            </a:extLst>
-          </a:blip>
-          <a:stretch>
-            <a:fillRect/>
-          </a:stretch>
-        </p:blipFill>
-        <p:spPr>
-          <a:xfrm>
-            <a:off x="8228794" y="5798510"/>
-            <a:ext cx="572504" cy="639420"/>
-          </a:xfrm>
-          <a:prstGeom prst="rect">
-            <a:avLst/>
-          </a:prstGeom>
-        </p:spPr>
-      </p:pic>
-    </p:spTree>
-    <p:extLst>
-      <p:ext uri="{BB962C8B-B14F-4D97-AF65-F5344CB8AC3E}">
-        <p14:creationId xmlns:p14="http://schemas.microsoft.com/office/powerpoint/2010/main" val="1459134137"/>
       </p:ext>
     </p:extLst>
   </p:cSld>
@@ -5823,6 +5763,228 @@
       </p:grpSpPr>
       <p:sp>
         <p:nvSpPr>
+          <p:cNvPr id="3" name="Content Placeholder 2"/>
+          <p:cNvSpPr>
+            <a:spLocks noGrp="1"/>
+          </p:cNvSpPr>
+          <p:nvPr>
+            <p:ph sz="half" idx="1"/>
+          </p:nvPr>
+        </p:nvSpPr>
+        <p:spPr>
+          <a:xfrm>
+            <a:off x="416859" y="2770188"/>
+            <a:ext cx="4697945" cy="3464765"/>
+          </a:xfrm>
+        </p:spPr>
+        <p:txBody>
+          <a:bodyPr>
+            <a:normAutofit fontScale="92500" lnSpcReduction="20000"/>
+          </a:bodyPr>
+          <a:lstStyle/>
+          <a:p>
+            <a:r>
+              <a:rPr lang="en-US" dirty="0"/>
+              <a:t>Genetic Attribute Profile (GATT) Design</a:t>
+            </a:r>
+          </a:p>
+          <a:p>
+            <a:pPr lvl="1"/>
+            <a:r>
+              <a:rPr lang="en-US" dirty="0"/>
+              <a:t>Anchor – Constantly broadcasting (</a:t>
+            </a:r>
+            <a:r>
+              <a:rPr lang="en-US" dirty="0" err="1"/>
+              <a:t>x,y</a:t>
+            </a:r>
+            <a:r>
+              <a:rPr lang="en-US" dirty="0"/>
+              <a:t>) coordinates as static location</a:t>
+            </a:r>
+          </a:p>
+          <a:p>
+            <a:pPr lvl="1"/>
+            <a:r>
+              <a:rPr lang="en-US" dirty="0"/>
+              <a:t>User – Broadcasts (x, y) coordinates to other users</a:t>
+            </a:r>
+          </a:p>
+          <a:p>
+            <a:pPr lvl="2"/>
+            <a:r>
+              <a:rPr lang="en-US" dirty="0"/>
+              <a:t>Reads all points, identifies (anchor or user</a:t>
+            </a:r>
+            <a:r>
+              <a:rPr lang="en-US" dirty="0" smtClean="0"/>
+              <a:t>)</a:t>
+            </a:r>
+          </a:p>
+          <a:p>
+            <a:r>
+              <a:rPr lang="en-US" dirty="0" smtClean="0"/>
+              <a:t>Triangulation coordinate calculation &amp; RSSI Strength testing</a:t>
+            </a:r>
+          </a:p>
+          <a:p>
+            <a:pPr lvl="1"/>
+            <a:r>
+              <a:rPr lang="en-US" dirty="0" smtClean="0"/>
+              <a:t>Done with “hard coded” values (not on real devices)</a:t>
+            </a:r>
+          </a:p>
+          <a:p>
+            <a:pPr lvl="1"/>
+            <a:r>
+              <a:rPr lang="en-US" dirty="0" smtClean="0"/>
+              <a:t>-6dB correlates to double the distance (for line of sight)</a:t>
+            </a:r>
+          </a:p>
+          <a:p>
+            <a:pPr lvl="2"/>
+            <a:endParaRPr lang="en-US" dirty="0" smtClean="0"/>
+          </a:p>
+          <a:p>
+            <a:pPr lvl="1"/>
+            <a:endParaRPr lang="en-US" dirty="0" smtClean="0"/>
+          </a:p>
+          <a:p>
+            <a:endParaRPr lang="en-US" dirty="0" smtClean="0"/>
+          </a:p>
+          <a:p>
+            <a:pPr lvl="2"/>
+            <a:endParaRPr lang="en-US" dirty="0" smtClean="0"/>
+          </a:p>
+        </p:txBody>
+      </p:sp>
+      <p:sp>
+        <p:nvSpPr>
+          <p:cNvPr id="6" name="Title 5"/>
+          <p:cNvSpPr>
+            <a:spLocks noGrp="1"/>
+          </p:cNvSpPr>
+          <p:nvPr>
+            <p:ph type="title"/>
+          </p:nvPr>
+        </p:nvSpPr>
+        <p:spPr>
+          <a:xfrm>
+            <a:off x="415925" y="1456765"/>
+            <a:ext cx="6392826" cy="1143000"/>
+          </a:xfrm>
+        </p:spPr>
+        <p:txBody>
+          <a:bodyPr/>
+          <a:lstStyle/>
+          <a:p>
+            <a:r>
+              <a:rPr lang="en-US" dirty="0" smtClean="0"/>
+              <a:t>Accomplished So Far </a:t>
+            </a:r>
+            <a:endParaRPr lang="en-US" dirty="0"/>
+          </a:p>
+        </p:txBody>
+      </p:sp>
+      <p:pic>
+        <p:nvPicPr>
+          <p:cNvPr id="7" name="Picture 6" descr="blockflow.png"/>
+          <p:cNvPicPr>
+            <a:picLocks noChangeAspect="1"/>
+          </p:cNvPicPr>
+          <p:nvPr/>
+        </p:nvPicPr>
+        <p:blipFill>
+          <a:blip r:embed="rId2">
+            <a:extLst>
+              <a:ext uri="{28A0092B-C50C-407E-A947-70E740481C1C}">
+                <a14:useLocalDpi xmlns:a14="http://schemas.microsoft.com/office/drawing/2010/main" val="0"/>
+              </a:ext>
+            </a:extLst>
+          </a:blip>
+          <a:stretch>
+            <a:fillRect/>
+          </a:stretch>
+        </p:blipFill>
+        <p:spPr>
+          <a:xfrm>
+            <a:off x="5114804" y="2785574"/>
+            <a:ext cx="3729058" cy="3449379"/>
+          </a:xfrm>
+          <a:prstGeom prst="rect">
+            <a:avLst/>
+          </a:prstGeom>
+        </p:spPr>
+      </p:pic>
+      <p:pic>
+        <p:nvPicPr>
+          <p:cNvPr id="8" name="Picture 7" descr="crest.png"/>
+          <p:cNvPicPr>
+            <a:picLocks noChangeAspect="1"/>
+          </p:cNvPicPr>
+          <p:nvPr/>
+        </p:nvPicPr>
+        <p:blipFill>
+          <a:blip r:embed="rId3">
+            <a:extLst>
+              <a:ext uri="{28A0092B-C50C-407E-A947-70E740481C1C}">
+                <a14:useLocalDpi xmlns:a14="http://schemas.microsoft.com/office/drawing/2010/main" val="0"/>
+              </a:ext>
+            </a:extLst>
+          </a:blip>
+          <a:stretch>
+            <a:fillRect/>
+          </a:stretch>
+        </p:blipFill>
+        <p:spPr>
+          <a:xfrm>
+            <a:off x="8228794" y="5798510"/>
+            <a:ext cx="572504" cy="639420"/>
+          </a:xfrm>
+          <a:prstGeom prst="rect">
+            <a:avLst/>
+          </a:prstGeom>
+        </p:spPr>
+      </p:pic>
+    </p:spTree>
+    <p:extLst>
+      <p:ext uri="{BB962C8B-B14F-4D97-AF65-F5344CB8AC3E}">
+        <p14:creationId xmlns:p14="http://schemas.microsoft.com/office/powerpoint/2010/main" val="1459134137"/>
+      </p:ext>
+    </p:extLst>
+  </p:cSld>
+  <p:clrMapOvr>
+    <a:masterClrMapping/>
+  </p:clrMapOvr>
+  <p:timing>
+    <p:tnLst>
+      <p:par>
+        <p:cTn xmlns:p14="http://schemas.microsoft.com/office/powerpoint/2010/main" id="1" dur="indefinite" restart="never" nodeType="tmRoot"/>
+      </p:par>
+    </p:tnLst>
+  </p:timing>
+</p:sld>
+</file>
+
+<file path=ppt/slides/slide5.xml><?xml version="1.0" encoding="utf-8"?>
+<p:sld xmlns:a="http://schemas.openxmlformats.org/drawingml/2006/main" xmlns:r="http://schemas.openxmlformats.org/officeDocument/2006/relationships" xmlns:p="http://schemas.openxmlformats.org/presentationml/2006/main">
+  <p:cSld>
+    <p:spTree>
+      <p:nvGrpSpPr>
+        <p:cNvPr id="1" name=""/>
+        <p:cNvGrpSpPr/>
+        <p:nvPr/>
+      </p:nvGrpSpPr>
+      <p:grpSpPr>
+        <a:xfrm>
+          <a:off x="0" y="0"/>
+          <a:ext cx="0" cy="0"/>
+          <a:chOff x="0" y="0"/>
+          <a:chExt cx="0" cy="0"/>
+        </a:xfrm>
+      </p:grpSpPr>
+      <p:sp>
+        <p:nvSpPr>
           <p:cNvPr id="2" name="Title 1"/>
           <p:cNvSpPr>
             <a:spLocks noGrp="1"/>
@@ -5950,7 +6112,7 @@
 </p:sld>
 </file>
 
-<file path=ppt/slides/slide5.xml><?xml version="1.0" encoding="utf-8"?>
+<file path=ppt/slides/slide6.xml><?xml version="1.0" encoding="utf-8"?>
 <p:sld xmlns:a="http://schemas.openxmlformats.org/drawingml/2006/main" xmlns:r="http://schemas.openxmlformats.org/officeDocument/2006/relationships" xmlns:p="http://schemas.openxmlformats.org/presentationml/2006/main">
   <p:cSld>
     <p:spTree>
@@ -6104,7 +6266,7 @@
 </p:sld>
 </file>
 
-<file path=ppt/slides/slide6.xml><?xml version="1.0" encoding="utf-8"?>
+<file path=ppt/slides/slide7.xml><?xml version="1.0" encoding="utf-8"?>
 <p:sld xmlns:a="http://schemas.openxmlformats.org/drawingml/2006/main" xmlns:r="http://schemas.openxmlformats.org/officeDocument/2006/relationships" xmlns:p="http://schemas.openxmlformats.org/presentationml/2006/main">
   <p:cSld>
     <p:spTree>
